--- a/PowerPoint2Video Tutorial.pptx
+++ b/PowerPoint2Video Tutorial.pptx
@@ -5,15 +5,16 @@
     <p:sldMasterId id="2147483648" r:id="rId1"/>
   </p:sldMasterIdLst>
   <p:notesMasterIdLst>
-    <p:notesMasterId r:id="rId8"/>
+    <p:notesMasterId r:id="rId9"/>
   </p:notesMasterIdLst>
   <p:sldIdLst>
     <p:sldId id="256" r:id="rId2"/>
     <p:sldId id="262" r:id="rId3"/>
     <p:sldId id="258" r:id="rId4"/>
     <p:sldId id="259" r:id="rId5"/>
-    <p:sldId id="260" r:id="rId6"/>
-    <p:sldId id="261" r:id="rId7"/>
+    <p:sldId id="263" r:id="rId6"/>
+    <p:sldId id="260" r:id="rId7"/>
+    <p:sldId id="261" r:id="rId8"/>
   </p:sldIdLst>
   <p:sldSz cx="12192000" cy="6858000"/>
   <p:notesSz cx="6858000" cy="9144000"/>
@@ -202,7 +203,7 @@
           <a:p>
             <a:fld id="{2E1F56A2-3178-4782-B2EE-2EC55770787F}" type="datetimeFigureOut">
               <a:rPr lang="en-AU" smtClean="0"/>
-              <a:t>6/03/2025</a:t>
+              <a:t>10/03/2025</a:t>
             </a:fld>
             <a:endParaRPr lang="en-AU"/>
           </a:p>
@@ -878,6 +879,125 @@
         <p:cNvPr id="1" name="">
           <a:extLst>
             <a:ext uri="{FF2B5EF4-FFF2-40B4-BE49-F238E27FC236}">
+              <a16:creationId xmlns:a16="http://schemas.microsoft.com/office/drawing/2014/main" id="{74C8EE06-EA68-3D63-B879-B5D65B5AC00B}"/>
+            </a:ext>
+          </a:extLst>
+        </p:cNvPr>
+        <p:cNvGrpSpPr/>
+        <p:nvPr/>
+      </p:nvGrpSpPr>
+      <p:grpSpPr>
+        <a:xfrm>
+          <a:off x="0" y="0"/>
+          <a:ext cx="0" cy="0"/>
+          <a:chOff x="0" y="0"/>
+          <a:chExt cx="0" cy="0"/>
+        </a:xfrm>
+      </p:grpSpPr>
+      <p:sp>
+        <p:nvSpPr>
+          <p:cNvPr id="2" name="Slide Image Placeholder 1">
+            <a:extLst>
+              <a:ext uri="{FF2B5EF4-FFF2-40B4-BE49-F238E27FC236}">
+                <a16:creationId xmlns:a16="http://schemas.microsoft.com/office/drawing/2014/main" id="{A9A251CC-2B0D-E57B-33DF-3BBC6A716B49}"/>
+              </a:ext>
+            </a:extLst>
+          </p:cNvPr>
+          <p:cNvSpPr>
+            <a:spLocks noGrp="1" noRot="1" noChangeAspect="1"/>
+          </p:cNvSpPr>
+          <p:nvPr>
+            <p:ph type="sldImg"/>
+          </p:nvPr>
+        </p:nvSpPr>
+        <p:spPr/>
+      </p:sp>
+      <p:sp>
+        <p:nvSpPr>
+          <p:cNvPr id="3" name="Notes Placeholder 2">
+            <a:extLst>
+              <a:ext uri="{FF2B5EF4-FFF2-40B4-BE49-F238E27FC236}">
+                <a16:creationId xmlns:a16="http://schemas.microsoft.com/office/drawing/2014/main" id="{8E0BC218-8771-703D-5EFF-F21612EC4B77}"/>
+              </a:ext>
+            </a:extLst>
+          </p:cNvPr>
+          <p:cNvSpPr>
+            <a:spLocks noGrp="1"/>
+          </p:cNvSpPr>
+          <p:nvPr>
+            <p:ph type="body" idx="1"/>
+          </p:nvPr>
+        </p:nvSpPr>
+        <p:spPr/>
+        <p:txBody>
+          <a:bodyPr/>
+          <a:lstStyle/>
+          <a:p>
+            <a:r>
+              <a:rPr lang="en-AU" dirty="0"/>
+              <a:t>The converter features </a:t>
+            </a:r>
+            <a:r>
+              <a:rPr lang="en-AU"/>
+              <a:t>a dictionary </a:t>
+            </a:r>
+            <a:r>
+              <a:rPr lang="en-AU" dirty="0"/>
+              <a:t>which allows you to program custom conversions.  This allows you to control how key words are spoken.  For example, TwinCAT, EtherCAT, and 4024 will be converted to their preferred pronunciation.  This keeps your PowerPoint scripts decluttered.  </a:t>
+            </a:r>
+          </a:p>
+        </p:txBody>
+      </p:sp>
+      <p:sp>
+        <p:nvSpPr>
+          <p:cNvPr id="4" name="Slide Number Placeholder 3">
+            <a:extLst>
+              <a:ext uri="{FF2B5EF4-FFF2-40B4-BE49-F238E27FC236}">
+                <a16:creationId xmlns:a16="http://schemas.microsoft.com/office/drawing/2014/main" id="{1E677E37-9744-8D12-E3CC-F318B22C0223}"/>
+              </a:ext>
+            </a:extLst>
+          </p:cNvPr>
+          <p:cNvSpPr>
+            <a:spLocks noGrp="1"/>
+          </p:cNvSpPr>
+          <p:nvPr>
+            <p:ph type="sldNum" sz="quarter" idx="5"/>
+          </p:nvPr>
+        </p:nvSpPr>
+        <p:spPr/>
+        <p:txBody>
+          <a:bodyPr/>
+          <a:lstStyle/>
+          <a:p>
+            <a:fld id="{B4010C41-C78F-4783-B6C1-D57FD2F0A8BA}" type="slidenum">
+              <a:rPr lang="en-AU" smtClean="0"/>
+              <a:t>5</a:t>
+            </a:fld>
+            <a:endParaRPr lang="en-AU"/>
+          </a:p>
+        </p:txBody>
+      </p:sp>
+    </p:spTree>
+    <p:extLst>
+      <p:ext uri="{BB962C8B-B14F-4D97-AF65-F5344CB8AC3E}">
+        <p14:creationId xmlns:p14="http://schemas.microsoft.com/office/powerpoint/2010/main" val="1803562548"/>
+      </p:ext>
+    </p:extLst>
+  </p:cSld>
+  <p:clrMapOvr>
+    <a:masterClrMapping/>
+  </p:clrMapOvr>
+</p:notes>
+</file>
+
+<file path=ppt/notesSlides/notesSlide6.xml><?xml version="1.0" encoding="utf-8"?>
+<p:notes xmlns:a="http://schemas.openxmlformats.org/drawingml/2006/main" xmlns:r="http://schemas.openxmlformats.org/officeDocument/2006/relationships" xmlns:p="http://schemas.openxmlformats.org/presentationml/2006/main">
+  <p:cSld>
+    <p:spTree>
+      <p:nvGrpSpPr>
+        <p:cNvPr id="1" name="">
+          <a:extLst>
+            <a:ext uri="{FF2B5EF4-FFF2-40B4-BE49-F238E27FC236}">
               <a16:creationId xmlns:a16="http://schemas.microsoft.com/office/drawing/2014/main" id="{DAF57605-4523-16F1-7376-AB2A814ECF34}"/>
             </a:ext>
           </a:extLst>
@@ -996,7 +1116,7 @@
           <a:p>
             <a:fld id="{B4010C41-C78F-4783-B6C1-D57FD2F0A8BA}" type="slidenum">
               <a:rPr lang="en-AU" smtClean="0"/>
-              <a:t>5</a:t>
+              <a:t>6</a:t>
             </a:fld>
             <a:endParaRPr lang="en-AU"/>
           </a:p>
@@ -1015,7 +1135,7 @@
 </p:notes>
 </file>
 
-<file path=ppt/notesSlides/notesSlide6.xml><?xml version="1.0" encoding="utf-8"?>
+<file path=ppt/notesSlides/notesSlide7.xml><?xml version="1.0" encoding="utf-8"?>
 <p:notes xmlns:a="http://schemas.openxmlformats.org/drawingml/2006/main" xmlns:r="http://schemas.openxmlformats.org/officeDocument/2006/relationships" xmlns:p="http://schemas.openxmlformats.org/presentationml/2006/main">
   <p:cSld>
     <p:spTree>
@@ -1125,7 +1245,7 @@
           <a:p>
             <a:fld id="{B4010C41-C78F-4783-B6C1-D57FD2F0A8BA}" type="slidenum">
               <a:rPr lang="en-AU" smtClean="0"/>
-              <a:t>6</a:t>
+              <a:t>7</a:t>
             </a:fld>
             <a:endParaRPr lang="en-AU"/>
           </a:p>
@@ -1293,7 +1413,7 @@
           <a:p>
             <a:fld id="{66FE9D8B-FE65-4D70-813C-B0C2953C31EE}" type="datetimeFigureOut">
               <a:rPr lang="en-AU" smtClean="0"/>
-              <a:t>6/03/2025</a:t>
+              <a:t>10/03/2025</a:t>
             </a:fld>
             <a:endParaRPr lang="en-AU"/>
           </a:p>
@@ -1493,7 +1613,7 @@
           <a:p>
             <a:fld id="{66FE9D8B-FE65-4D70-813C-B0C2953C31EE}" type="datetimeFigureOut">
               <a:rPr lang="en-AU" smtClean="0"/>
-              <a:t>6/03/2025</a:t>
+              <a:t>10/03/2025</a:t>
             </a:fld>
             <a:endParaRPr lang="en-AU"/>
           </a:p>
@@ -1703,7 +1823,7 @@
           <a:p>
             <a:fld id="{66FE9D8B-FE65-4D70-813C-B0C2953C31EE}" type="datetimeFigureOut">
               <a:rPr lang="en-AU" smtClean="0"/>
-              <a:t>6/03/2025</a:t>
+              <a:t>10/03/2025</a:t>
             </a:fld>
             <a:endParaRPr lang="en-AU"/>
           </a:p>
@@ -1903,7 +2023,7 @@
           <a:p>
             <a:fld id="{66FE9D8B-FE65-4D70-813C-B0C2953C31EE}" type="datetimeFigureOut">
               <a:rPr lang="en-AU" smtClean="0"/>
-              <a:t>6/03/2025</a:t>
+              <a:t>10/03/2025</a:t>
             </a:fld>
             <a:endParaRPr lang="en-AU"/>
           </a:p>
@@ -2179,7 +2299,7 @@
           <a:p>
             <a:fld id="{66FE9D8B-FE65-4D70-813C-B0C2953C31EE}" type="datetimeFigureOut">
               <a:rPr lang="en-AU" smtClean="0"/>
-              <a:t>6/03/2025</a:t>
+              <a:t>10/03/2025</a:t>
             </a:fld>
             <a:endParaRPr lang="en-AU"/>
           </a:p>
@@ -2447,7 +2567,7 @@
           <a:p>
             <a:fld id="{66FE9D8B-FE65-4D70-813C-B0C2953C31EE}" type="datetimeFigureOut">
               <a:rPr lang="en-AU" smtClean="0"/>
-              <a:t>6/03/2025</a:t>
+              <a:t>10/03/2025</a:t>
             </a:fld>
             <a:endParaRPr lang="en-AU"/>
           </a:p>
@@ -2862,7 +2982,7 @@
           <a:p>
             <a:fld id="{66FE9D8B-FE65-4D70-813C-B0C2953C31EE}" type="datetimeFigureOut">
               <a:rPr lang="en-AU" smtClean="0"/>
-              <a:t>6/03/2025</a:t>
+              <a:t>10/03/2025</a:t>
             </a:fld>
             <a:endParaRPr lang="en-AU"/>
           </a:p>
@@ -3004,7 +3124,7 @@
           <a:p>
             <a:fld id="{66FE9D8B-FE65-4D70-813C-B0C2953C31EE}" type="datetimeFigureOut">
               <a:rPr lang="en-AU" smtClean="0"/>
-              <a:t>6/03/2025</a:t>
+              <a:t>10/03/2025</a:t>
             </a:fld>
             <a:endParaRPr lang="en-AU"/>
           </a:p>
@@ -3117,7 +3237,7 @@
           <a:p>
             <a:fld id="{66FE9D8B-FE65-4D70-813C-B0C2953C31EE}" type="datetimeFigureOut">
               <a:rPr lang="en-AU" smtClean="0"/>
-              <a:t>6/03/2025</a:t>
+              <a:t>10/03/2025</a:t>
             </a:fld>
             <a:endParaRPr lang="en-AU"/>
           </a:p>
@@ -3430,7 +3550,7 @@
           <a:p>
             <a:fld id="{66FE9D8B-FE65-4D70-813C-B0C2953C31EE}" type="datetimeFigureOut">
               <a:rPr lang="en-AU" smtClean="0"/>
-              <a:t>6/03/2025</a:t>
+              <a:t>10/03/2025</a:t>
             </a:fld>
             <a:endParaRPr lang="en-AU"/>
           </a:p>
@@ -3719,7 +3839,7 @@
           <a:p>
             <a:fld id="{66FE9D8B-FE65-4D70-813C-B0C2953C31EE}" type="datetimeFigureOut">
               <a:rPr lang="en-AU" smtClean="0"/>
-              <a:t>6/03/2025</a:t>
+              <a:t>10/03/2025</a:t>
             </a:fld>
             <a:endParaRPr lang="en-AU"/>
           </a:p>
@@ -3962,7 +4082,7 @@
           <a:p>
             <a:fld id="{66FE9D8B-FE65-4D70-813C-B0C2953C31EE}" type="datetimeFigureOut">
               <a:rPr lang="en-AU" smtClean="0"/>
-              <a:t>6/03/2025</a:t>
+              <a:t>10/03/2025</a:t>
             </a:fld>
             <a:endParaRPr lang="en-AU"/>
           </a:p>
@@ -5299,6 +5419,125 @@
         <p:cNvPr id="1" name="">
           <a:extLst>
             <a:ext uri="{FF2B5EF4-FFF2-40B4-BE49-F238E27FC236}">
+              <a16:creationId xmlns:a16="http://schemas.microsoft.com/office/drawing/2014/main" id="{3389246D-C1CD-9289-D7F3-00207688FD61}"/>
+            </a:ext>
+          </a:extLst>
+        </p:cNvPr>
+        <p:cNvGrpSpPr/>
+        <p:nvPr/>
+      </p:nvGrpSpPr>
+      <p:grpSpPr>
+        <a:xfrm>
+          <a:off x="0" y="0"/>
+          <a:ext cx="0" cy="0"/>
+          <a:chOff x="0" y="0"/>
+          <a:chExt cx="0" cy="0"/>
+        </a:xfrm>
+      </p:grpSpPr>
+      <p:sp>
+        <p:nvSpPr>
+          <p:cNvPr id="2" name="Title 1">
+            <a:extLst>
+              <a:ext uri="{FF2B5EF4-FFF2-40B4-BE49-F238E27FC236}">
+                <a16:creationId xmlns:a16="http://schemas.microsoft.com/office/drawing/2014/main" id="{D9B9C672-E7D8-691A-DC65-46464A9A2D0A}"/>
+              </a:ext>
+            </a:extLst>
+          </p:cNvPr>
+          <p:cNvSpPr>
+            <a:spLocks noGrp="1"/>
+          </p:cNvSpPr>
+          <p:nvPr>
+            <p:ph type="ctrTitle"/>
+          </p:nvPr>
+        </p:nvSpPr>
+        <p:spPr/>
+        <p:txBody>
+          <a:bodyPr/>
+          <a:lstStyle/>
+          <a:p>
+            <a:r>
+              <a:rPr lang="en-AU" dirty="0"/>
+              <a:t>Custom Library Support</a:t>
+            </a:r>
+          </a:p>
+        </p:txBody>
+      </p:sp>
+      <p:sp>
+        <p:nvSpPr>
+          <p:cNvPr id="3" name="Subtitle 2">
+            <a:extLst>
+              <a:ext uri="{FF2B5EF4-FFF2-40B4-BE49-F238E27FC236}">
+                <a16:creationId xmlns:a16="http://schemas.microsoft.com/office/drawing/2014/main" id="{79BA4F91-2E9B-9EE9-F03C-80A26D532A9B}"/>
+              </a:ext>
+            </a:extLst>
+          </p:cNvPr>
+          <p:cNvSpPr>
+            <a:spLocks noGrp="1"/>
+          </p:cNvSpPr>
+          <p:nvPr>
+            <p:ph type="subTitle" idx="1"/>
+          </p:nvPr>
+        </p:nvSpPr>
+        <p:spPr/>
+        <p:txBody>
+          <a:bodyPr>
+            <a:normAutofit lnSpcReduction="10000"/>
+          </a:bodyPr>
+          <a:lstStyle/>
+          <a:p>
+            <a:r>
+              <a:rPr lang="en-AU" dirty="0"/>
+              <a:t>The converter features a </a:t>
+            </a:r>
+            <a:r>
+              <a:rPr lang="en-AU" dirty="0" err="1"/>
+              <a:t>dictionary.json</a:t>
+            </a:r>
+            <a:r>
+              <a:rPr lang="en-AU" dirty="0"/>
+              <a:t> which allows you to program custom conversions. </a:t>
+            </a:r>
+            <a:br>
+              <a:rPr lang="en-AU" dirty="0"/>
+            </a:br>
+            <a:br>
+              <a:rPr lang="en-AU" dirty="0"/>
+            </a:br>
+            <a:r>
+              <a:rPr lang="en-AU" dirty="0"/>
+              <a:t>TwinCAT = “twin-cat”</a:t>
+            </a:r>
+            <a:br>
+              <a:rPr lang="en-AU" dirty="0"/>
+            </a:br>
+            <a:r>
+              <a:rPr lang="en-AU" dirty="0"/>
+              <a:t>4024 = “40 24”</a:t>
+            </a:r>
+          </a:p>
+        </p:txBody>
+      </p:sp>
+    </p:spTree>
+    <p:extLst>
+      <p:ext uri="{BB962C8B-B14F-4D97-AF65-F5344CB8AC3E}">
+        <p14:creationId xmlns:p14="http://schemas.microsoft.com/office/powerpoint/2010/main" val="3849956154"/>
+      </p:ext>
+    </p:extLst>
+  </p:cSld>
+  <p:clrMapOvr>
+    <a:masterClrMapping/>
+  </p:clrMapOvr>
+</p:sld>
+</file>
+
+<file path=ppt/slides/slide6.xml><?xml version="1.0" encoding="utf-8"?>
+<p:sld xmlns:a="http://schemas.openxmlformats.org/drawingml/2006/main" xmlns:r="http://schemas.openxmlformats.org/officeDocument/2006/relationships" xmlns:p="http://schemas.openxmlformats.org/presentationml/2006/main">
+  <p:cSld>
+    <p:spTree>
+      <p:nvGrpSpPr>
+        <p:cNvPr id="1" name="">
+          <a:extLst>
+            <a:ext uri="{FF2B5EF4-FFF2-40B4-BE49-F238E27FC236}">
               <a16:creationId xmlns:a16="http://schemas.microsoft.com/office/drawing/2014/main" id="{CD5AA433-87E2-097C-7DB9-31B57EC39AEB}"/>
             </a:ext>
           </a:extLst>
@@ -5416,7 +5655,7 @@
 </p:sld>
 </file>
 
-<file path=ppt/slides/slide6.xml><?xml version="1.0" encoding="utf-8"?>
+<file path=ppt/slides/slide7.xml><?xml version="1.0" encoding="utf-8"?>
 <p:sld xmlns:a="http://schemas.openxmlformats.org/drawingml/2006/main" xmlns:r="http://schemas.openxmlformats.org/officeDocument/2006/relationships" xmlns:p="http://schemas.openxmlformats.org/presentationml/2006/main">
   <p:cSld>
     <p:spTree>

--- a/PowerPoint2Video Tutorial.pptx
+++ b/PowerPoint2Video Tutorial.pptx
@@ -203,7 +203,7 @@
           <a:p>
             <a:fld id="{2E1F56A2-3178-4782-B2EE-2EC55770787F}" type="datetimeFigureOut">
               <a:rPr lang="en-AU" smtClean="0"/>
-              <a:t>10/03/2025</a:t>
+              <a:t>14/03/2025</a:t>
             </a:fld>
             <a:endParaRPr lang="en-AU"/>
           </a:p>
@@ -517,11 +517,7 @@
           <a:p>
             <a:r>
               <a:rPr lang="en-US" dirty="0"/>
-              <a:t>Hello everyone, and welcome to the Beckhoff AU PowerPoint to video conversion tool. </a:t>
-            </a:r>
-            <a:r>
-              <a:rPr lang="en-US"/>
-              <a:t>I'll now guide you through some of the key features.</a:t>
+              <a:t>Hello everyone my name is Ben, and welcome to the Beckhoff AU PowerPoint to video conversion tool. I'll now guide you through some of the key features.</a:t>
             </a:r>
             <a:br>
               <a:rPr lang="en-AU" b="0" dirty="0"/>
@@ -632,7 +628,27 @@
               <a:rPr lang="en-US" dirty="0"/>
               <a:t>Creating videos is as simple as designing a PowerPoint presentation and incorporating a script in the notes. Your slides will be transformed into video segments, timed precisely with the audio duration. Each slide includes an automatic start delay of 0.4 seconds and a 1-second pause at the end, ensuring a smooth transition between slides.</a:t>
             </a:r>
-            <a:endParaRPr lang="en-AU" b="1" dirty="0"/>
+            <a:r>
+              <a:rPr lang="en-AU" b="1" dirty="0"/>
+              <a:t>  </a:t>
+            </a:r>
+            <a:r>
+              <a:rPr lang="en-AU" b="0" dirty="0"/>
+              <a:t>It also understands that a new line is a paragraph. </a:t>
+            </a:r>
+          </a:p>
+          <a:p>
+            <a:r>
+              <a:rPr lang="en-AU" b="0" dirty="0"/>
+              <a:t>For example, this is a paragraph. </a:t>
+            </a:r>
+          </a:p>
+          <a:p>
+            <a:r>
+              <a:rPr lang="en-AU" b="0" dirty="0"/>
+              <a:t>So is this. </a:t>
+            </a:r>
+            <a:endParaRPr lang="en-US" dirty="0"/>
           </a:p>
         </p:txBody>
       </p:sp>
@@ -1079,7 +1095,7 @@
             </a:r>
             <a:r>
               <a:rPr lang="en-US" dirty="0"/>
-              <a:t>’} Hi, I'm the automation specialist. {speaker ‘</a:t>
+              <a:t>’} Hi, my name is Ben and I'm the automation specialist. {speaker ‘</a:t>
             </a:r>
             <a:r>
               <a:rPr lang="en-US" dirty="0" err="1"/>
@@ -1087,7 +1103,7 @@
             </a:r>
             <a:r>
               <a:rPr lang="en-US" dirty="0"/>
-              <a:t>’} Hello, I'm the IPC specialist. {speaker ‘motion’} Hello, I'm the motion specialist; it’s good to meet you. {speaker ‘io’} Hi, I'm the IO specialist.</a:t>
+              <a:t>’} Hello, I'm the IPC specialist. {speaker ‘io’} Hi, I'm the IO specialist. {speaker ‘motion’} Hello, I'm the motion specialist; it’s good to meet you</a:t>
             </a:r>
             <a:endParaRPr lang="en-AU" b="0" dirty="0"/>
           </a:p>
@@ -1216,7 +1232,23 @@
             </a:pPr>
             <a:r>
               <a:rPr lang="en-US" dirty="0"/>
-              <a:t>Once a voice is selected, it will continue to be used unless it is changed.</a:t>
+              <a:t>The tool remembers what voice you have selected. {speaker </a:t>
+            </a:r>
+            <a:r>
+              <a:rPr lang="en-US" dirty="0" err="1"/>
+              <a:t>‘automation</a:t>
+            </a:r>
+            <a:r>
+              <a:rPr lang="en-US" dirty="0"/>
+              <a:t>’}  If you have any questions or would like to know more</a:t>
+            </a:r>
+            <a:r>
+              <a:rPr lang="en-US"/>
+              <a:t>, please </a:t>
+            </a:r>
+            <a:r>
+              <a:rPr lang="en-US" dirty="0"/>
+              <a:t>reach out. </a:t>
             </a:r>
             <a:endParaRPr lang="en-AU" b="0" dirty="0"/>
           </a:p>
@@ -1413,7 +1445,7 @@
           <a:p>
             <a:fld id="{66FE9D8B-FE65-4D70-813C-B0C2953C31EE}" type="datetimeFigureOut">
               <a:rPr lang="en-AU" smtClean="0"/>
-              <a:t>10/03/2025</a:t>
+              <a:t>14/03/2025</a:t>
             </a:fld>
             <a:endParaRPr lang="en-AU"/>
           </a:p>
@@ -1613,7 +1645,7 @@
           <a:p>
             <a:fld id="{66FE9D8B-FE65-4D70-813C-B0C2953C31EE}" type="datetimeFigureOut">
               <a:rPr lang="en-AU" smtClean="0"/>
-              <a:t>10/03/2025</a:t>
+              <a:t>14/03/2025</a:t>
             </a:fld>
             <a:endParaRPr lang="en-AU"/>
           </a:p>
@@ -1823,7 +1855,7 @@
           <a:p>
             <a:fld id="{66FE9D8B-FE65-4D70-813C-B0C2953C31EE}" type="datetimeFigureOut">
               <a:rPr lang="en-AU" smtClean="0"/>
-              <a:t>10/03/2025</a:t>
+              <a:t>14/03/2025</a:t>
             </a:fld>
             <a:endParaRPr lang="en-AU"/>
           </a:p>
@@ -2023,7 +2055,7 @@
           <a:p>
             <a:fld id="{66FE9D8B-FE65-4D70-813C-B0C2953C31EE}" type="datetimeFigureOut">
               <a:rPr lang="en-AU" smtClean="0"/>
-              <a:t>10/03/2025</a:t>
+              <a:t>14/03/2025</a:t>
             </a:fld>
             <a:endParaRPr lang="en-AU"/>
           </a:p>
@@ -2299,7 +2331,7 @@
           <a:p>
             <a:fld id="{66FE9D8B-FE65-4D70-813C-B0C2953C31EE}" type="datetimeFigureOut">
               <a:rPr lang="en-AU" smtClean="0"/>
-              <a:t>10/03/2025</a:t>
+              <a:t>14/03/2025</a:t>
             </a:fld>
             <a:endParaRPr lang="en-AU"/>
           </a:p>
@@ -2567,7 +2599,7 @@
           <a:p>
             <a:fld id="{66FE9D8B-FE65-4D70-813C-B0C2953C31EE}" type="datetimeFigureOut">
               <a:rPr lang="en-AU" smtClean="0"/>
-              <a:t>10/03/2025</a:t>
+              <a:t>14/03/2025</a:t>
             </a:fld>
             <a:endParaRPr lang="en-AU"/>
           </a:p>
@@ -2982,7 +3014,7 @@
           <a:p>
             <a:fld id="{66FE9D8B-FE65-4D70-813C-B0C2953C31EE}" type="datetimeFigureOut">
               <a:rPr lang="en-AU" smtClean="0"/>
-              <a:t>10/03/2025</a:t>
+              <a:t>14/03/2025</a:t>
             </a:fld>
             <a:endParaRPr lang="en-AU"/>
           </a:p>
@@ -3124,7 +3156,7 @@
           <a:p>
             <a:fld id="{66FE9D8B-FE65-4D70-813C-B0C2953C31EE}" type="datetimeFigureOut">
               <a:rPr lang="en-AU" smtClean="0"/>
-              <a:t>10/03/2025</a:t>
+              <a:t>14/03/2025</a:t>
             </a:fld>
             <a:endParaRPr lang="en-AU"/>
           </a:p>
@@ -3237,7 +3269,7 @@
           <a:p>
             <a:fld id="{66FE9D8B-FE65-4D70-813C-B0C2953C31EE}" type="datetimeFigureOut">
               <a:rPr lang="en-AU" smtClean="0"/>
-              <a:t>10/03/2025</a:t>
+              <a:t>14/03/2025</a:t>
             </a:fld>
             <a:endParaRPr lang="en-AU"/>
           </a:p>
@@ -3550,7 +3582,7 @@
           <a:p>
             <a:fld id="{66FE9D8B-FE65-4D70-813C-B0C2953C31EE}" type="datetimeFigureOut">
               <a:rPr lang="en-AU" smtClean="0"/>
-              <a:t>10/03/2025</a:t>
+              <a:t>14/03/2025</a:t>
             </a:fld>
             <a:endParaRPr lang="en-AU"/>
           </a:p>
@@ -3839,7 +3871,7 @@
           <a:p>
             <a:fld id="{66FE9D8B-FE65-4D70-813C-B0C2953C31EE}" type="datetimeFigureOut">
               <a:rPr lang="en-AU" smtClean="0"/>
-              <a:t>10/03/2025</a:t>
+              <a:t>14/03/2025</a:t>
             </a:fld>
             <a:endParaRPr lang="en-AU"/>
           </a:p>
@@ -4082,7 +4114,7 @@
           <a:p>
             <a:fld id="{66FE9D8B-FE65-4D70-813C-B0C2953C31EE}" type="datetimeFigureOut">
               <a:rPr lang="en-AU" smtClean="0"/>
-              <a:t>10/03/2025</a:t>
+              <a:t>14/03/2025</a:t>
             </a:fld>
             <a:endParaRPr lang="en-AU"/>
           </a:p>
@@ -4692,17 +4724,22 @@
             <a:spLocks noGrp="1"/>
           </p:cNvSpPr>
           <p:nvPr>
-            <p:ph type="ctrTitle"/>
-          </p:nvPr>
-        </p:nvSpPr>
-        <p:spPr/>
+            <p:ph type="title"/>
+          </p:nvPr>
+        </p:nvSpPr>
+        <p:spPr>
+          <a:xfrm>
+            <a:off x="838200" y="365125"/>
+            <a:ext cx="3518647" cy="1325563"/>
+          </a:xfrm>
+        </p:spPr>
         <p:txBody>
           <a:bodyPr/>
           <a:lstStyle/>
           <a:p>
             <a:r>
               <a:rPr lang="en-AU" dirty="0"/>
-              <a:t>It’s just PowerPoint</a:t>
+              <a:t>It’s just PowerPoint!</a:t>
             </a:r>
           </a:p>
         </p:txBody>
@@ -4720,18 +4757,125 @@
             <a:spLocks noGrp="1"/>
           </p:cNvSpPr>
           <p:nvPr>
-            <p:ph type="subTitle" idx="1"/>
-          </p:nvPr>
-        </p:nvSpPr>
-        <p:spPr/>
-        <p:txBody>
-          <a:bodyPr/>
-          <a:lstStyle/>
-          <a:p>
+            <p:ph sz="half" idx="1"/>
+          </p:nvPr>
+        </p:nvSpPr>
+        <p:spPr>
+          <a:xfrm>
+            <a:off x="838200" y="1825625"/>
+            <a:ext cx="3088341" cy="4351338"/>
+          </a:xfrm>
+        </p:spPr>
+        <p:txBody>
+          <a:bodyPr/>
+          <a:lstStyle/>
+          <a:p>
+            <a:pPr marL="0" indent="0">
+              <a:buNone/>
+            </a:pPr>
             <a:r>
               <a:rPr lang="en-AU" dirty="0"/>
               <a:t>Just add your script to the notes section below a slide.</a:t>
             </a:r>
+          </a:p>
+        </p:txBody>
+      </p:sp>
+      <p:sp>
+        <p:nvSpPr>
+          <p:cNvPr id="16" name="Content Placeholder 15">
+            <a:extLst>
+              <a:ext uri="{FF2B5EF4-FFF2-40B4-BE49-F238E27FC236}">
+                <a16:creationId xmlns:a16="http://schemas.microsoft.com/office/drawing/2014/main" id="{32992222-8B7E-8CC4-2368-63A6A902CEE9}"/>
+              </a:ext>
+            </a:extLst>
+          </p:cNvPr>
+          <p:cNvSpPr>
+            <a:spLocks noGrp="1"/>
+          </p:cNvSpPr>
+          <p:nvPr>
+            <p:ph sz="half" idx="2"/>
+          </p:nvPr>
+        </p:nvSpPr>
+        <p:spPr/>
+        <p:txBody>
+          <a:bodyPr/>
+          <a:lstStyle/>
+          <a:p>
+            <a:endParaRPr lang="en-AU"/>
+          </a:p>
+        </p:txBody>
+      </p:sp>
+      <p:pic>
+        <p:nvPicPr>
+          <p:cNvPr id="24" name="Picture 23">
+            <a:extLst>
+              <a:ext uri="{FF2B5EF4-FFF2-40B4-BE49-F238E27FC236}">
+                <a16:creationId xmlns:a16="http://schemas.microsoft.com/office/drawing/2014/main" id="{560503BC-8B1C-C6E3-1E1C-C09795038B94}"/>
+              </a:ext>
+            </a:extLst>
+          </p:cNvPr>
+          <p:cNvPicPr>
+            <a:picLocks noChangeAspect="1"/>
+          </p:cNvPicPr>
+          <p:nvPr/>
+        </p:nvPicPr>
+        <p:blipFill>
+          <a:blip r:embed="rId3"/>
+          <a:stretch>
+            <a:fillRect/>
+          </a:stretch>
+        </p:blipFill>
+        <p:spPr>
+          <a:xfrm>
+            <a:off x="4738746" y="0"/>
+            <a:ext cx="7453254" cy="6858000"/>
+          </a:xfrm>
+          <a:prstGeom prst="rect">
+            <a:avLst/>
+          </a:prstGeom>
+        </p:spPr>
+      </p:pic>
+      <p:sp>
+        <p:nvSpPr>
+          <p:cNvPr id="8" name="Arrow: Right 7">
+            <a:extLst>
+              <a:ext uri="{FF2B5EF4-FFF2-40B4-BE49-F238E27FC236}">
+                <a16:creationId xmlns:a16="http://schemas.microsoft.com/office/drawing/2014/main" id="{90AA8142-A78B-085E-EDF4-DACE33EA1EAE}"/>
+              </a:ext>
+            </a:extLst>
+          </p:cNvPr>
+          <p:cNvSpPr/>
+          <p:nvPr/>
+        </p:nvSpPr>
+        <p:spPr>
+          <a:xfrm>
+            <a:off x="1801906" y="5385547"/>
+            <a:ext cx="3926541" cy="1325563"/>
+          </a:xfrm>
+          <a:prstGeom prst="rightArrow">
+            <a:avLst/>
+          </a:prstGeom>
+        </p:spPr>
+        <p:style>
+          <a:lnRef idx="3">
+            <a:schemeClr val="lt1"/>
+          </a:lnRef>
+          <a:fillRef idx="1">
+            <a:schemeClr val="accent2"/>
+          </a:fillRef>
+          <a:effectRef idx="1">
+            <a:schemeClr val="accent2"/>
+          </a:effectRef>
+          <a:fontRef idx="minor">
+            <a:schemeClr val="lt1"/>
+          </a:fontRef>
+        </p:style>
+        <p:txBody>
+          <a:bodyPr rtlCol="0" anchor="ctr"/>
+          <a:lstStyle/>
+          <a:p>
+            <a:pPr algn="ctr"/>
+            <a:endParaRPr lang="en-AU"/>
           </a:p>
         </p:txBody>
       </p:sp>
@@ -5637,7 +5781,7 @@
             </a:r>
             <a:r>
               <a:rPr lang="en-AU" dirty="0"/>
-              <a:t>’} {speaker ‘motion’} {speaker ‘io’}</a:t>
+              <a:t>’} {speaker ‘io’}{speaker ‘motion’}</a:t>
             </a:r>
           </a:p>
         </p:txBody>
